--- a/Hackathon Presentation Template - CFC Kerala.pptx
+++ b/Hackathon Presentation Template - CFC Kerala.pptx
@@ -109,6 +109,11 @@
       </a:defRPr>
     </a:lvl9pPr>
   </p:defaultTextStyle>
+  <p:extLst>
+    <p:ext uri="{EFAFB233-063F-42B5-8137-9DF3F51BA10A}">
+      <p15:sldGuideLst xmlns:p15="http://schemas.microsoft.com/office/powerpoint/2012/main"/>
+    </p:ext>
+  </p:extLst>
 </p:presentation>
 </file>
 
@@ -2484,7 +2489,10 @@
           <a:bodyPr/>
           <a:lstStyle/>
           <a:p>
-            <a:endParaRPr lang="en-US" dirty="0"/>
+            <a:r>
+              <a:rPr lang="en-US" dirty="0"/>
+              <a:t>&lt;limited to 500 words&gt;</a:t>
+            </a:r>
           </a:p>
         </p:txBody>
       </p:sp>
@@ -2810,7 +2818,16 @@
           <a:p>
             <a:r>
               <a:rPr lang="en-US" dirty="0"/>
-              <a:t>If you have working application, demo  it now </a:t>
+              <a:t>If you have working application, demo  it now</a:t>
+            </a:r>
+          </a:p>
+          <a:p>
+            <a:endParaRPr lang="en-US" dirty="0"/>
+          </a:p>
+          <a:p>
+            <a:r>
+              <a:rPr lang="en-US" dirty="0"/>
+              <a:t>&lt;make a short video – max 3 mins – preferred &gt; </a:t>
             </a:r>
           </a:p>
         </p:txBody>
@@ -2868,7 +2885,7 @@
           <a:p>
             <a:r>
               <a:rPr lang="en-US" dirty="0"/>
-              <a:t>Future Scope</a:t>
+              <a:t>Future Scope (Road Map)</a:t>
             </a:r>
           </a:p>
         </p:txBody>
@@ -2894,7 +2911,7 @@
           <a:bodyPr/>
           <a:lstStyle/>
           <a:p>
-            <a:endParaRPr lang="en-US"/>
+            <a:endParaRPr lang="en-US" dirty="0"/>
           </a:p>
         </p:txBody>
       </p:sp>

--- a/Hackathon Presentation Template - CFC Kerala.pptx
+++ b/Hackathon Presentation Template - CFC Kerala.pptx
@@ -311,7 +311,7 @@
             <a:fld id="{B61BEF0D-F0BB-DE4B-95CE-6DB70DBA9567}" type="datetimeFigureOut">
               <a:rPr lang="en-US" dirty="0"/>
               <a:pPr/>
-              <a:t>9/6/18</a:t>
+              <a:t>9/7/18</a:t>
             </a:fld>
             <a:endParaRPr lang="en-US" dirty="0"/>
           </a:p>
@@ -464,7 +464,7 @@
             <a:fld id="{B61BEF0D-F0BB-DE4B-95CE-6DB70DBA9567}" type="datetimeFigureOut">
               <a:rPr lang="en-US" dirty="0"/>
               <a:pPr/>
-              <a:t>9/6/18</a:t>
+              <a:t>9/7/18</a:t>
             </a:fld>
             <a:endParaRPr lang="en-US" dirty="0"/>
           </a:p>
@@ -684,7 +684,7 @@
             <a:fld id="{B61BEF0D-F0BB-DE4B-95CE-6DB70DBA9567}" type="datetimeFigureOut">
               <a:rPr lang="en-US" dirty="0"/>
               <a:pPr/>
-              <a:t>9/6/18</a:t>
+              <a:t>9/7/18</a:t>
             </a:fld>
             <a:endParaRPr lang="en-US" dirty="0"/>
           </a:p>
@@ -897,7 +897,7 @@
             <a:fld id="{B61BEF0D-F0BB-DE4B-95CE-6DB70DBA9567}" type="datetimeFigureOut">
               <a:rPr lang="en-US" dirty="0"/>
               <a:pPr/>
-              <a:t>9/6/18</a:t>
+              <a:t>9/7/18</a:t>
             </a:fld>
             <a:endParaRPr lang="en-US" dirty="0"/>
           </a:p>
@@ -1250,7 +1250,7 @@
             <a:fld id="{B61BEF0D-F0BB-DE4B-95CE-6DB70DBA9567}" type="datetimeFigureOut">
               <a:rPr lang="en-US" dirty="0"/>
               <a:pPr/>
-              <a:t>9/6/18</a:t>
+              <a:t>9/7/18</a:t>
             </a:fld>
             <a:endParaRPr lang="en-US" dirty="0"/>
           </a:p>
@@ -1341,7 +1341,7 @@
             <a:fld id="{B61BEF0D-F0BB-DE4B-95CE-6DB70DBA9567}" type="datetimeFigureOut">
               <a:rPr lang="en-US" dirty="0"/>
               <a:pPr/>
-              <a:t>9/6/18</a:t>
+              <a:t>9/7/18</a:t>
             </a:fld>
             <a:endParaRPr lang="en-US" dirty="0"/>
           </a:p>
@@ -1409,7 +1409,7 @@
             <a:fld id="{B61BEF0D-F0BB-DE4B-95CE-6DB70DBA9567}" type="datetimeFigureOut">
               <a:rPr lang="en-US" dirty="0"/>
               <a:pPr/>
-              <a:t>9/6/18</a:t>
+              <a:t>9/7/18</a:t>
             </a:fld>
             <a:endParaRPr lang="en-US" dirty="0"/>
           </a:p>
@@ -1633,7 +1633,7 @@
             <a:fld id="{B61BEF0D-F0BB-DE4B-95CE-6DB70DBA9567}" type="datetimeFigureOut">
               <a:rPr lang="en-US" dirty="0"/>
               <a:pPr/>
-              <a:t>9/6/18</a:t>
+              <a:t>9/7/18</a:t>
             </a:fld>
             <a:endParaRPr lang="en-US" dirty="0"/>
           </a:p>
@@ -1856,7 +1856,7 @@
             <a:fld id="{B61BEF0D-F0BB-DE4B-95CE-6DB70DBA9567}" type="datetimeFigureOut">
               <a:rPr lang="en-US" dirty="0"/>
               <a:pPr/>
-              <a:t>9/6/18</a:t>
+              <a:t>9/7/18</a:t>
             </a:fld>
             <a:endParaRPr lang="en-US" dirty="0"/>
           </a:p>
@@ -2494,6 +2494,24 @@
               <a:t>&lt;limited to 500 words&gt;</a:t>
             </a:r>
           </a:p>
+          <a:p>
+            <a:r>
+              <a:rPr lang="en-US" dirty="0"/>
+              <a:t>&lt;Whose problem are you addressing ?&gt;</a:t>
+            </a:r>
+          </a:p>
+          <a:p>
+            <a:r>
+              <a:rPr lang="en-US" dirty="0"/>
+              <a:t>&lt;What are the specific pain points are you address as a part of the broader problem&gt;?</a:t>
+            </a:r>
+          </a:p>
+          <a:p>
+            <a:r>
+              <a:rPr lang="en-US" dirty="0"/>
+              <a:t>&lt;your solution – how does it differentiate ?&gt;</a:t>
+            </a:r>
+          </a:p>
         </p:txBody>
       </p:sp>
     </p:spTree>
